--- a/Vendor_Boards/Great_Cow_Basic_Demo_Board/16F17556_chiprange_demonstrations/tutorials/GCBASIC_Part8_Show_Serial_Data.pptx
+++ b/Vendor_Boards/Great_Cow_Basic_Demo_Board/16F17556_chiprange_demonstrations/tutorials/GCBASIC_Part8_Show_Serial_Data.pptx
@@ -14,12 +14,12 @@
     <p:sldId id="294" r:id="rId2"/>
     <p:sldId id="256" r:id="rId3"/>
     <p:sldId id="295" r:id="rId4"/>
-    <p:sldId id="283" r:id="rId5"/>
+    <p:sldId id="337" r:id="rId5"/>
     <p:sldId id="296" r:id="rId6"/>
     <p:sldId id="282" r:id="rId7"/>
     <p:sldId id="291" r:id="rId8"/>
     <p:sldId id="285" r:id="rId9"/>
-    <p:sldId id="336" r:id="rId10"/>
+    <p:sldId id="338" r:id="rId10"/>
     <p:sldId id="331" r:id="rId11"/>
     <p:sldId id="332" r:id="rId12"/>
     <p:sldId id="333" r:id="rId13"/>
@@ -212,7 +212,7 @@
             <a:fld id="{742E545A-AB39-44F0-B5A6-04A90C6C9399}" type="datetimeFigureOut">
               <a:rPr lang="en-GB" smtClean="0"/>
               <a:pPr/>
-              <a:t>20/11/2024</a:t>
+              <a:t>25/11/2025</a:t>
             </a:fld>
             <a:endParaRPr lang="en-GB" dirty="0"/>
           </a:p>
@@ -379,7 +379,7 @@
             <a:fld id="{FF100B3C-2E11-428B-8555-A77018253716}" type="datetimeFigureOut">
               <a:rPr lang="en-GB" smtClean="0"/>
               <a:pPr/>
-              <a:t>20/11/2024</a:t>
+              <a:t>25/11/2025</a:t>
             </a:fld>
             <a:endParaRPr lang="en-GB" dirty="0"/>
           </a:p>
@@ -672,7 +672,7 @@
           <p:cNvPr id="7" name="Rectangle 6">
             <a:extLst>
               <a:ext uri="{FF2B5EF4-FFF2-40B4-BE49-F238E27FC236}">
-                <a16:creationId xmlns:a16="http://schemas.microsoft.com/office/drawing/2014/main" xmlns="" id="{9C757326-0232-4CDF-81FF-302CA676961B}"/>
+                <a16:creationId xmlns="" xmlns:a16="http://schemas.microsoft.com/office/drawing/2014/main" id="{9C757326-0232-4CDF-81FF-302CA676961B}"/>
               </a:ext>
             </a:extLst>
           </p:cNvPr>
@@ -724,7 +724,7 @@
           <p:cNvPr id="8" name="Picture 7">
             <a:extLst>
               <a:ext uri="{FF2B5EF4-FFF2-40B4-BE49-F238E27FC236}">
-                <a16:creationId xmlns:a16="http://schemas.microsoft.com/office/drawing/2014/main" xmlns="" id="{4987E008-68E6-4A43-85BC-1A6ACDF91DE1}"/>
+                <a16:creationId xmlns="" xmlns:a16="http://schemas.microsoft.com/office/drawing/2014/main" id="{4987E008-68E6-4A43-85BC-1A6ACDF91DE1}"/>
               </a:ext>
             </a:extLst>
           </p:cNvPr>
@@ -753,7 +753,7 @@
           <p:cNvPr id="11" name="Picture 10">
             <a:extLst>
               <a:ext uri="{FF2B5EF4-FFF2-40B4-BE49-F238E27FC236}">
-                <a16:creationId xmlns:a16="http://schemas.microsoft.com/office/drawing/2014/main" xmlns="" id="{A1F8C892-C868-4DF6-91AB-B18CE632B10F}"/>
+                <a16:creationId xmlns="" xmlns:a16="http://schemas.microsoft.com/office/drawing/2014/main" id="{A1F8C892-C868-4DF6-91AB-B18CE632B10F}"/>
               </a:ext>
             </a:extLst>
           </p:cNvPr>
@@ -939,7 +939,7 @@
           <p:cNvPr id="12" name="Text Placeholder 2">
             <a:extLst>
               <a:ext uri="{FF2B5EF4-FFF2-40B4-BE49-F238E27FC236}">
-                <a16:creationId xmlns:a16="http://schemas.microsoft.com/office/drawing/2014/main" xmlns="" id="{D547E580-E6D6-4D97-BB04-05795A830147}"/>
+                <a16:creationId xmlns="" xmlns:a16="http://schemas.microsoft.com/office/drawing/2014/main" id="{D547E580-E6D6-4D97-BB04-05795A830147}"/>
               </a:ext>
             </a:extLst>
           </p:cNvPr>
@@ -1092,7 +1092,7 @@
           <p:cNvPr id="9" name="Picture 8">
             <a:extLst>
               <a:ext uri="{FF2B5EF4-FFF2-40B4-BE49-F238E27FC236}">
-                <a16:creationId xmlns:a16="http://schemas.microsoft.com/office/drawing/2014/main" xmlns="" id="{7CE2C968-D10A-4226-8FDC-CBC4C7EDD0B7}"/>
+                <a16:creationId xmlns="" xmlns:a16="http://schemas.microsoft.com/office/drawing/2014/main" id="{7CE2C968-D10A-4226-8FDC-CBC4C7EDD0B7}"/>
               </a:ext>
             </a:extLst>
           </p:cNvPr>
@@ -1294,7 +1294,7 @@
             <a:fld id="{C473AACB-D821-4991-9D88-46EB8D29E619}" type="datetimeFigureOut">
               <a:rPr lang="en-GB" smtClean="0"/>
               <a:pPr/>
-              <a:t>20/11/2024</a:t>
+              <a:t>25/11/2025</a:t>
             </a:fld>
             <a:endParaRPr lang="en-GB" dirty="0"/>
           </a:p>
@@ -1378,7 +1378,7 @@
           <p:cNvPr id="9" name="Picture 8">
             <a:extLst>
               <a:ext uri="{FF2B5EF4-FFF2-40B4-BE49-F238E27FC236}">
-                <a16:creationId xmlns:a16="http://schemas.microsoft.com/office/drawing/2014/main" xmlns="" id="{6AB5D66D-00C1-40EA-BFC8-305566F10369}"/>
+                <a16:creationId xmlns="" xmlns:a16="http://schemas.microsoft.com/office/drawing/2014/main" id="{6AB5D66D-00C1-40EA-BFC8-305566F10369}"/>
               </a:ext>
             </a:extLst>
           </p:cNvPr>
@@ -1588,7 +1588,7 @@
             <a:fld id="{C473AACB-D821-4991-9D88-46EB8D29E619}" type="datetimeFigureOut">
               <a:rPr lang="en-GB" smtClean="0"/>
               <a:pPr/>
-              <a:t>20/11/2024</a:t>
+              <a:t>25/11/2025</a:t>
             </a:fld>
             <a:endParaRPr lang="en-GB" dirty="0"/>
           </a:p>
@@ -1841,7 +1841,7 @@
             <a:fld id="{C473AACB-D821-4991-9D88-46EB8D29E619}" type="datetimeFigureOut">
               <a:rPr lang="en-GB" smtClean="0"/>
               <a:pPr/>
-              <a:t>20/11/2024</a:t>
+              <a:t>25/11/2025</a:t>
             </a:fld>
             <a:endParaRPr lang="en-GB" dirty="0"/>
           </a:p>
@@ -1895,7 +1895,7 @@
           <p:cNvPr id="8" name="Picture 7">
             <a:extLst>
               <a:ext uri="{FF2B5EF4-FFF2-40B4-BE49-F238E27FC236}">
-                <a16:creationId xmlns:a16="http://schemas.microsoft.com/office/drawing/2014/main" xmlns="" id="{AD4D4CB4-D965-4BB6-B218-086244C13BAE}"/>
+                <a16:creationId xmlns="" xmlns:a16="http://schemas.microsoft.com/office/drawing/2014/main" id="{AD4D4CB4-D965-4BB6-B218-086244C13BAE}"/>
               </a:ext>
             </a:extLst>
           </p:cNvPr>
@@ -2186,7 +2186,7 @@
             <a:fld id="{C473AACB-D821-4991-9D88-46EB8D29E619}" type="datetimeFigureOut">
               <a:rPr lang="en-GB" smtClean="0"/>
               <a:pPr/>
-              <a:t>20/11/2024</a:t>
+              <a:t>25/11/2025</a:t>
             </a:fld>
             <a:endParaRPr lang="en-GB" dirty="0"/>
           </a:p>
@@ -2330,7 +2330,7 @@
           <p:cNvPr id="11" name="Picture 10">
             <a:extLst>
               <a:ext uri="{FF2B5EF4-FFF2-40B4-BE49-F238E27FC236}">
-                <a16:creationId xmlns:a16="http://schemas.microsoft.com/office/drawing/2014/main" xmlns="" id="{A3B58C4E-0EF0-466C-9740-EC9F485CBD03}"/>
+                <a16:creationId xmlns="" xmlns:a16="http://schemas.microsoft.com/office/drawing/2014/main" id="{A3B58C4E-0EF0-466C-9740-EC9F485CBD03}"/>
               </a:ext>
             </a:extLst>
           </p:cNvPr>
@@ -2558,7 +2558,7 @@
             <a:fld id="{C473AACB-D821-4991-9D88-46EB8D29E619}" type="datetimeFigureOut">
               <a:rPr lang="en-GB" smtClean="0"/>
               <a:pPr/>
-              <a:t>20/11/2024</a:t>
+              <a:t>25/11/2025</a:t>
             </a:fld>
             <a:endParaRPr lang="en-GB" dirty="0"/>
           </a:p>
@@ -2612,7 +2612,7 @@
           <p:cNvPr id="7" name="Picture 6">
             <a:extLst>
               <a:ext uri="{FF2B5EF4-FFF2-40B4-BE49-F238E27FC236}">
-                <a16:creationId xmlns:a16="http://schemas.microsoft.com/office/drawing/2014/main" xmlns="" id="{2D0B9223-1250-44AA-A6C3-F2013B85AEF3}"/>
+                <a16:creationId xmlns="" xmlns:a16="http://schemas.microsoft.com/office/drawing/2014/main" id="{2D0B9223-1250-44AA-A6C3-F2013B85AEF3}"/>
               </a:ext>
             </a:extLst>
           </p:cNvPr>
@@ -2904,7 +2904,7 @@
             <a:fld id="{C473AACB-D821-4991-9D88-46EB8D29E619}" type="datetimeFigureOut">
               <a:rPr lang="en-GB" smtClean="0"/>
               <a:pPr/>
-              <a:t>20/11/2024</a:t>
+              <a:t>25/11/2025</a:t>
             </a:fld>
             <a:endParaRPr lang="en-GB" dirty="0"/>
           </a:p>
@@ -3040,7 +3040,7 @@
           <p:cNvPr id="11" name="Picture 10">
             <a:extLst>
               <a:ext uri="{FF2B5EF4-FFF2-40B4-BE49-F238E27FC236}">
-                <a16:creationId xmlns:a16="http://schemas.microsoft.com/office/drawing/2014/main" xmlns="" id="{D49E1C7C-7E53-49A2-B2C9-52307876DB7E}"/>
+                <a16:creationId xmlns="" xmlns:a16="http://schemas.microsoft.com/office/drawing/2014/main" id="{D49E1C7C-7E53-49A2-B2C9-52307876DB7E}"/>
               </a:ext>
             </a:extLst>
           </p:cNvPr>
@@ -3328,7 +3328,7 @@
             <a:fld id="{C473AACB-D821-4991-9D88-46EB8D29E619}" type="datetimeFigureOut">
               <a:rPr lang="en-GB" smtClean="0"/>
               <a:pPr/>
-              <a:t>20/11/2024</a:t>
+              <a:t>25/11/2025</a:t>
             </a:fld>
             <a:endParaRPr lang="en-GB" dirty="0"/>
           </a:p>
@@ -3382,7 +3382,7 @@
           <p:cNvPr id="9" name="Picture 8">
             <a:extLst>
               <a:ext uri="{FF2B5EF4-FFF2-40B4-BE49-F238E27FC236}">
-                <a16:creationId xmlns:a16="http://schemas.microsoft.com/office/drawing/2014/main" xmlns="" id="{23082AB0-2BB5-46FE-9A17-15E1ACC06965}"/>
+                <a16:creationId xmlns="" xmlns:a16="http://schemas.microsoft.com/office/drawing/2014/main" id="{23082AB0-2BB5-46FE-9A17-15E1ACC06965}"/>
               </a:ext>
             </a:extLst>
           </p:cNvPr>
@@ -3441,7 +3441,7 @@
           <p:cNvPr id="8" name="Picture 7">
             <a:extLst>
               <a:ext uri="{FF2B5EF4-FFF2-40B4-BE49-F238E27FC236}">
-                <a16:creationId xmlns:a16="http://schemas.microsoft.com/office/drawing/2014/main" xmlns="" id="{1862E859-E5AF-4D76-9FC9-2355B24FF141}"/>
+                <a16:creationId xmlns="" xmlns:a16="http://schemas.microsoft.com/office/drawing/2014/main" id="{1862E859-E5AF-4D76-9FC9-2355B24FF141}"/>
               </a:ext>
             </a:extLst>
           </p:cNvPr>
@@ -3563,7 +3563,7 @@
             <a:fld id="{C473AACB-D821-4991-9D88-46EB8D29E619}" type="datetimeFigureOut">
               <a:rPr lang="en-GB" smtClean="0"/>
               <a:pPr/>
-              <a:t>20/11/2024</a:t>
+              <a:t>25/11/2025</a:t>
             </a:fld>
             <a:endParaRPr lang="en-GB" dirty="0"/>
           </a:p>
@@ -3647,7 +3647,7 @@
           <p:cNvPr id="8" name="Picture 7">
             <a:extLst>
               <a:ext uri="{FF2B5EF4-FFF2-40B4-BE49-F238E27FC236}">
-                <a16:creationId xmlns:a16="http://schemas.microsoft.com/office/drawing/2014/main" xmlns="" id="{91908D0E-7544-4687-965B-72EF64AA4C54}"/>
+                <a16:creationId xmlns="" xmlns:a16="http://schemas.microsoft.com/office/drawing/2014/main" id="{91908D0E-7544-4687-965B-72EF64AA4C54}"/>
               </a:ext>
             </a:extLst>
           </p:cNvPr>
@@ -3774,7 +3774,7 @@
             <a:fld id="{C473AACB-D821-4991-9D88-46EB8D29E619}" type="datetimeFigureOut">
               <a:rPr lang="en-GB" smtClean="0"/>
               <a:pPr/>
-              <a:t>20/11/2024</a:t>
+              <a:t>25/11/2025</a:t>
             </a:fld>
             <a:endParaRPr lang="en-GB" dirty="0"/>
           </a:p>
@@ -3858,7 +3858,7 @@
           <p:cNvPr id="8" name="Picture 7">
             <a:extLst>
               <a:ext uri="{FF2B5EF4-FFF2-40B4-BE49-F238E27FC236}">
-                <a16:creationId xmlns:a16="http://schemas.microsoft.com/office/drawing/2014/main" xmlns="" id="{5B5B8CA2-02D4-408C-B548-182D4F5F54B2}"/>
+                <a16:creationId xmlns="" xmlns:a16="http://schemas.microsoft.com/office/drawing/2014/main" id="{5B5B8CA2-02D4-408C-B548-182D4F5F54B2}"/>
               </a:ext>
             </a:extLst>
           </p:cNvPr>
@@ -3992,7 +3992,7 @@
             <a:fld id="{C473AACB-D821-4991-9D88-46EB8D29E619}" type="datetimeFigureOut">
               <a:rPr lang="en-GB" smtClean="0"/>
               <a:pPr/>
-              <a:t>20/11/2024</a:t>
+              <a:t>25/11/2025</a:t>
             </a:fld>
             <a:endParaRPr lang="en-GB" dirty="0"/>
           </a:p>
@@ -4076,7 +4076,7 @@
           <p:cNvPr id="11" name="Picture 10">
             <a:extLst>
               <a:ext uri="{FF2B5EF4-FFF2-40B4-BE49-F238E27FC236}">
-                <a16:creationId xmlns:a16="http://schemas.microsoft.com/office/drawing/2014/main" xmlns="" id="{EA8DB33B-8BF9-4C99-B31C-55246227EFDE}"/>
+                <a16:creationId xmlns="" xmlns:a16="http://schemas.microsoft.com/office/drawing/2014/main" id="{EA8DB33B-8BF9-4C99-B31C-55246227EFDE}"/>
               </a:ext>
             </a:extLst>
           </p:cNvPr>
@@ -4807,7 +4807,7 @@
             <a:fld id="{C473AACB-D821-4991-9D88-46EB8D29E619}" type="datetimeFigureOut">
               <a:rPr lang="en-GB" smtClean="0"/>
               <a:pPr/>
-              <a:t>20/11/2024</a:t>
+              <a:t>25/11/2025</a:t>
             </a:fld>
             <a:endParaRPr lang="en-GB" dirty="0"/>
           </a:p>
@@ -4891,7 +4891,7 @@
           <p:cNvPr id="11" name="Picture 10">
             <a:extLst>
               <a:ext uri="{FF2B5EF4-FFF2-40B4-BE49-F238E27FC236}">
-                <a16:creationId xmlns:a16="http://schemas.microsoft.com/office/drawing/2014/main" xmlns="" id="{EA8DB33B-8BF9-4C99-B31C-55246227EFDE}"/>
+                <a16:creationId xmlns="" xmlns:a16="http://schemas.microsoft.com/office/drawing/2014/main" id="{EA8DB33B-8BF9-4C99-B31C-55246227EFDE}"/>
               </a:ext>
             </a:extLst>
           </p:cNvPr>
@@ -5621,7 +5621,7 @@
             <a:fld id="{C473AACB-D821-4991-9D88-46EB8D29E619}" type="datetimeFigureOut">
               <a:rPr lang="en-GB" smtClean="0"/>
               <a:pPr/>
-              <a:t>20/11/2024</a:t>
+              <a:t>25/11/2025</a:t>
             </a:fld>
             <a:endParaRPr lang="en-GB" dirty="0"/>
           </a:p>
@@ -5870,7 +5870,7 @@
             <a:fld id="{C473AACB-D821-4991-9D88-46EB8D29E619}" type="datetimeFigureOut">
               <a:rPr lang="en-GB" smtClean="0"/>
               <a:pPr/>
-              <a:t>20/11/2024</a:t>
+              <a:t>25/11/2025</a:t>
             </a:fld>
             <a:endParaRPr lang="en-GB" dirty="0"/>
           </a:p>
@@ -5924,7 +5924,7 @@
           <p:cNvPr id="7" name="Picture 6">
             <a:extLst>
               <a:ext uri="{FF2B5EF4-FFF2-40B4-BE49-F238E27FC236}">
-                <a16:creationId xmlns:a16="http://schemas.microsoft.com/office/drawing/2014/main" xmlns="" id="{6331EFED-43C1-4CBA-8BE3-308E3AA13B9B}"/>
+                <a16:creationId xmlns="" xmlns:a16="http://schemas.microsoft.com/office/drawing/2014/main" id="{6331EFED-43C1-4CBA-8BE3-308E3AA13B9B}"/>
               </a:ext>
             </a:extLst>
           </p:cNvPr>
@@ -6134,7 +6134,7 @@
             <a:fld id="{C473AACB-D821-4991-9D88-46EB8D29E619}" type="datetimeFigureOut">
               <a:rPr lang="en-GB" smtClean="0"/>
               <a:pPr/>
-              <a:t>20/11/2024</a:t>
+              <a:t>25/11/2025</a:t>
             </a:fld>
             <a:endParaRPr lang="en-GB" dirty="0"/>
           </a:p>
@@ -6188,7 +6188,7 @@
           <p:cNvPr id="9" name="Picture 8">
             <a:extLst>
               <a:ext uri="{FF2B5EF4-FFF2-40B4-BE49-F238E27FC236}">
-                <a16:creationId xmlns:a16="http://schemas.microsoft.com/office/drawing/2014/main" xmlns="" id="{1034EA63-4BE3-4A73-A7E6-4A75BE4C1D48}"/>
+                <a16:creationId xmlns="" xmlns:a16="http://schemas.microsoft.com/office/drawing/2014/main" id="{1034EA63-4BE3-4A73-A7E6-4A75BE4C1D48}"/>
               </a:ext>
             </a:extLst>
           </p:cNvPr>
@@ -6247,7 +6247,7 @@
           <p:cNvPr id="10" name="Picture 9">
             <a:extLst>
               <a:ext uri="{FF2B5EF4-FFF2-40B4-BE49-F238E27FC236}">
-                <a16:creationId xmlns:a16="http://schemas.microsoft.com/office/drawing/2014/main" xmlns="" id="{204DC1E6-B5F4-4160-90F3-351FB3242E92}"/>
+                <a16:creationId xmlns="" xmlns:a16="http://schemas.microsoft.com/office/drawing/2014/main" id="{204DC1E6-B5F4-4160-90F3-351FB3242E92}"/>
               </a:ext>
             </a:extLst>
           </p:cNvPr>
@@ -6574,7 +6574,7 @@
             <a:fld id="{C473AACB-D821-4991-9D88-46EB8D29E619}" type="datetimeFigureOut">
               <a:rPr lang="en-GB" smtClean="0"/>
               <a:pPr/>
-              <a:t>20/11/2024</a:t>
+              <a:t>25/11/2025</a:t>
             </a:fld>
             <a:endParaRPr lang="en-GB" dirty="0"/>
           </a:p>
@@ -6658,7 +6658,7 @@
           <p:cNvPr id="6" name="Picture 5">
             <a:extLst>
               <a:ext uri="{FF2B5EF4-FFF2-40B4-BE49-F238E27FC236}">
-                <a16:creationId xmlns:a16="http://schemas.microsoft.com/office/drawing/2014/main" xmlns="" id="{E7897C67-3827-4595-8E3A-71E9F2EAB3AF}"/>
+                <a16:creationId xmlns="" xmlns:a16="http://schemas.microsoft.com/office/drawing/2014/main" id="{E7897C67-3827-4595-8E3A-71E9F2EAB3AF}"/>
               </a:ext>
             </a:extLst>
           </p:cNvPr>
@@ -6729,7 +6729,7 @@
             <a:fld id="{C473AACB-D821-4991-9D88-46EB8D29E619}" type="datetimeFigureOut">
               <a:rPr lang="en-GB" smtClean="0"/>
               <a:pPr/>
-              <a:t>20/11/2024</a:t>
+              <a:t>25/11/2025</a:t>
             </a:fld>
             <a:endParaRPr lang="en-GB" dirty="0"/>
           </a:p>
@@ -6826,7 +6826,7 @@
             <a:fld id="{C473AACB-D821-4991-9D88-46EB8D29E619}" type="datetimeFigureOut">
               <a:rPr lang="en-GB" smtClean="0"/>
               <a:pPr/>
-              <a:t>20/11/2024</a:t>
+              <a:t>25/11/2025</a:t>
             </a:fld>
             <a:endParaRPr lang="en-GB" dirty="0"/>
           </a:p>
@@ -6880,7 +6880,7 @@
           <p:cNvPr id="6" name="Picture 5">
             <a:extLst>
               <a:ext uri="{FF2B5EF4-FFF2-40B4-BE49-F238E27FC236}">
-                <a16:creationId xmlns:a16="http://schemas.microsoft.com/office/drawing/2014/main" xmlns="" id="{F1825398-026A-4668-BB48-C16AD1C9062B}"/>
+                <a16:creationId xmlns="" xmlns:a16="http://schemas.microsoft.com/office/drawing/2014/main" id="{F1825398-026A-4668-BB48-C16AD1C9062B}"/>
               </a:ext>
             </a:extLst>
           </p:cNvPr>
@@ -7603,7 +7603,7 @@
             <a:fld id="{C473AACB-D821-4991-9D88-46EB8D29E619}" type="datetimeFigureOut">
               <a:rPr lang="en-GB" smtClean="0"/>
               <a:pPr/>
-              <a:t>20/11/2024</a:t>
+              <a:t>25/11/2025</a:t>
             </a:fld>
             <a:endParaRPr lang="en-GB" dirty="0"/>
           </a:p>
@@ -8177,8 +8177,9 @@
           <a:p>
             <a:r>
               <a:rPr lang="en-GB" dirty="0" smtClean="0"/>
-              <a:t>PIC18FxxQ24</a:t>
-            </a:r>
+              <a:t>PIC16F175xx</a:t>
+            </a:r>
+            <a:endParaRPr lang="en-GB" dirty="0" smtClean="0"/>
           </a:p>
           <a:p>
             <a:r>
@@ -8577,15 +8578,33 @@
             </a:r>
             <a:r>
               <a:rPr lang="en-GB" b="1" dirty="0" smtClean="0"/>
-              <a:t>PPSTOOL</a:t>
-            </a:r>
-          </a:p>
-          <a:p>
-            <a:pPr lvl="1"/>
+              <a:t>PPSTOOL </a:t>
+            </a:r>
+            <a:r>
+              <a:rPr lang="en-GB" dirty="0" smtClean="0"/>
+              <a:t>or direct </a:t>
+            </a:r>
+            <a:r>
+              <a:rPr lang="en-GB" b="1" dirty="0" smtClean="0"/>
+              <a:t>F4</a:t>
+            </a:r>
+            <a:r>
+              <a:rPr lang="en-GB" dirty="0" smtClean="0"/>
+              <a:t>/</a:t>
+            </a:r>
             <a:r>
               <a:rPr lang="en-GB" b="1" dirty="0" smtClean="0"/>
               <a:t>PPSTOOL</a:t>
             </a:r>
+            <a:endParaRPr lang="en-GB" b="1" dirty="0" smtClean="0"/>
+          </a:p>
+          <a:p>
+            <a:pPr lvl="1"/>
+            <a:r>
+              <a:rPr lang="en-GB" b="1" dirty="0" smtClean="0"/>
+              <a:t>MCC Standalone</a:t>
+            </a:r>
+            <a:endParaRPr lang="en-GB" b="1" dirty="0" smtClean="0"/>
           </a:p>
           <a:p>
             <a:pPr lvl="1"/>
@@ -8607,7 +8626,7 @@
       </p:sp>
       <p:pic>
         <p:nvPicPr>
-          <p:cNvPr id="1026" name="Picture 2"/>
+          <p:cNvPr id="4" name="Picture 2"/>
           <p:cNvPicPr>
             <a:picLocks noChangeAspect="1" noChangeArrowheads="1"/>
           </p:cNvPicPr>
@@ -8628,8 +8647,8 @@
         </p:blipFill>
         <p:spPr bwMode="auto">
           <a:xfrm>
-            <a:off x="3779912" y="3075806"/>
-            <a:ext cx="2815063" cy="648072"/>
+            <a:off x="2555776" y="3579862"/>
+            <a:ext cx="3343275" cy="1190625"/>
           </a:xfrm>
           <a:prstGeom prst="rect">
             <a:avLst/>
@@ -9848,36 +9867,7 @@
           <a:p>
             <a:r>
               <a:rPr lang="en-GB" dirty="0" smtClean="0"/>
-              <a:t>Examine the sample </a:t>
-            </a:r>
-            <a:r>
-              <a:rPr lang="en-GB" dirty="0" smtClean="0"/>
-              <a:t>code</a:t>
-            </a:r>
-          </a:p>
-          <a:p>
-            <a:pPr lvl="1"/>
-            <a:r>
-              <a:rPr lang="en-GB" dirty="0" smtClean="0"/>
-              <a:t>Review </a:t>
-            </a:r>
-            <a:r>
-              <a:rPr lang="en-GB" dirty="0" smtClean="0"/>
-              <a:t>the </a:t>
-            </a:r>
-            <a:r>
-              <a:rPr lang="en-GB" dirty="0" smtClean="0"/>
-              <a:t>results</a:t>
-            </a:r>
-          </a:p>
-          <a:p>
-            <a:pPr lvl="1"/>
-            <a:endParaRPr lang="en-GB" dirty="0" smtClean="0"/>
-          </a:p>
-          <a:p>
-            <a:r>
-              <a:rPr lang="en-GB" dirty="0"/>
-              <a:t>Examine the power domain</a:t>
+              <a:t>Examine the sample code</a:t>
             </a:r>
           </a:p>
           <a:p>
@@ -9886,7 +9876,12 @@
               <a:rPr lang="en-GB" dirty="0" smtClean="0"/>
               <a:t>Review the results</a:t>
             </a:r>
-            <a:endParaRPr lang="en-GB" dirty="0"/>
+          </a:p>
+          <a:p>
+            <a:pPr marL="342900" lvl="1" indent="0">
+              <a:buNone/>
+            </a:pPr>
+            <a:endParaRPr lang="en-GB" dirty="0" smtClean="0"/>
           </a:p>
         </p:txBody>
       </p:sp>
@@ -10249,7 +10244,15 @@
             </a:pPr>
             <a:r>
               <a:rPr lang="en-GB" sz="1100" dirty="0"/>
-              <a:t>Using PWM, 7  ways,  to dim the LEDS</a:t>
+              <a:t>Using PWM, </a:t>
+            </a:r>
+            <a:r>
+              <a:rPr lang="en-GB" sz="1100" dirty="0"/>
+              <a:t>many  </a:t>
+            </a:r>
+            <a:r>
+              <a:rPr lang="en-GB" sz="1100" dirty="0"/>
+              <a:t>ways,  to dim the LEDS</a:t>
             </a:r>
           </a:p>
           <a:p>
@@ -10774,8 +10777,9 @@
           <a:p>
             <a:r>
               <a:rPr lang="en-GB" dirty="0" smtClean="0"/>
-              <a:t>PIC18FxxQ24</a:t>
-            </a:r>
+              <a:t>PIC16F175xx</a:t>
+            </a:r>
+            <a:endParaRPr lang="en-GB" dirty="0" smtClean="0"/>
           </a:p>
           <a:p>
             <a:r>
@@ -10788,7 +10792,7 @@
       </p:sp>
       <p:pic>
         <p:nvPicPr>
-          <p:cNvPr id="10" name="Picture 2" descr="PIC18F26Q24"/>
+          <p:cNvPr id="7" name="Picture 4" descr="PIC16F17556 | Microchip Technology"/>
           <p:cNvPicPr>
             <a:picLocks noChangeAspect="1" noChangeArrowheads="1"/>
           </p:cNvPicPr>
@@ -10809,8 +10813,49 @@
         </p:blipFill>
         <p:spPr bwMode="auto">
           <a:xfrm>
-            <a:off x="1907705" y="4116163"/>
-            <a:ext cx="1280738" cy="922132"/>
+            <a:off x="6750880" y="3974993"/>
+            <a:ext cx="2415427" cy="1178257"/>
+          </a:xfrm>
+          <a:prstGeom prst="rect">
+            <a:avLst/>
+          </a:prstGeom>
+          <a:noFill/>
+          <a:extLst>
+            <a:ext uri="{909E8E84-426E-40DD-AFC4-6F175D3DCCD1}">
+              <a14:hiddenFill xmlns:a14="http://schemas.microsoft.com/office/drawing/2010/main">
+                <a:solidFill>
+                  <a:srgbClr val="FFFFFF"/>
+                </a:solidFill>
+              </a14:hiddenFill>
+            </a:ext>
+          </a:extLst>
+        </p:spPr>
+      </p:pic>
+      <p:pic>
+        <p:nvPicPr>
+          <p:cNvPr id="9" name="Picture 8" descr="VQFN / 28"/>
+          <p:cNvPicPr>
+            <a:picLocks noChangeAspect="1" noChangeArrowheads="1"/>
+          </p:cNvPicPr>
+          <p:nvPr/>
+        </p:nvPicPr>
+        <p:blipFill>
+          <a:blip r:embed="rId4">
+            <a:extLst>
+              <a:ext uri="{28A0092B-C50C-407E-A947-70E740481C1C}">
+                <a14:useLocalDpi xmlns:a14="http://schemas.microsoft.com/office/drawing/2010/main" val="0"/>
+              </a:ext>
+            </a:extLst>
+          </a:blip>
+          <a:srcRect/>
+          <a:stretch>
+            <a:fillRect/>
+          </a:stretch>
+        </p:blipFill>
+        <p:spPr bwMode="auto">
+          <a:xfrm>
+            <a:off x="2555776" y="4127004"/>
+            <a:ext cx="1142256" cy="1026246"/>
           </a:xfrm>
           <a:prstGeom prst="rect">
             <a:avLst/>
@@ -11194,8 +11239,9 @@
           <a:p>
             <a:r>
               <a:rPr lang="en-GB" dirty="0" smtClean="0"/>
-              <a:t>PIC18FxxQ24</a:t>
-            </a:r>
+              <a:t>PIC16F175xx</a:t>
+            </a:r>
+            <a:endParaRPr lang="en-GB" dirty="0" smtClean="0"/>
           </a:p>
           <a:p>
             <a:r>
@@ -11208,7 +11254,7 @@
       </p:sp>
       <p:pic>
         <p:nvPicPr>
-          <p:cNvPr id="10" name="Picture 2" descr="PIC18F26Q24"/>
+          <p:cNvPr id="7" name="Picture 4" descr="PIC16F17556 | Microchip Technology"/>
           <p:cNvPicPr>
             <a:picLocks noChangeAspect="1" noChangeArrowheads="1"/>
           </p:cNvPicPr>
@@ -11229,8 +11275,49 @@
         </p:blipFill>
         <p:spPr bwMode="auto">
           <a:xfrm>
-            <a:off x="1907705" y="4116163"/>
-            <a:ext cx="1280738" cy="922132"/>
+            <a:off x="6750880" y="3974993"/>
+            <a:ext cx="2415427" cy="1178257"/>
+          </a:xfrm>
+          <a:prstGeom prst="rect">
+            <a:avLst/>
+          </a:prstGeom>
+          <a:noFill/>
+          <a:extLst>
+            <a:ext uri="{909E8E84-426E-40DD-AFC4-6F175D3DCCD1}">
+              <a14:hiddenFill xmlns:a14="http://schemas.microsoft.com/office/drawing/2010/main">
+                <a:solidFill>
+                  <a:srgbClr val="FFFFFF"/>
+                </a:solidFill>
+              </a14:hiddenFill>
+            </a:ext>
+          </a:extLst>
+        </p:spPr>
+      </p:pic>
+      <p:pic>
+        <p:nvPicPr>
+          <p:cNvPr id="9" name="Picture 8" descr="VQFN / 28"/>
+          <p:cNvPicPr>
+            <a:picLocks noChangeAspect="1" noChangeArrowheads="1"/>
+          </p:cNvPicPr>
+          <p:nvPr/>
+        </p:nvPicPr>
+        <p:blipFill>
+          <a:blip r:embed="rId4">
+            <a:extLst>
+              <a:ext uri="{28A0092B-C50C-407E-A947-70E740481C1C}">
+                <a14:useLocalDpi xmlns:a14="http://schemas.microsoft.com/office/drawing/2010/main" val="0"/>
+              </a:ext>
+            </a:extLst>
+          </a:blip>
+          <a:srcRect/>
+          <a:stretch>
+            <a:fillRect/>
+          </a:stretch>
+        </p:blipFill>
+        <p:spPr bwMode="auto">
+          <a:xfrm>
+            <a:off x="2555776" y="4127004"/>
+            <a:ext cx="1142256" cy="1026246"/>
           </a:xfrm>
           <a:prstGeom prst="rect">
             <a:avLst/>
@@ -11443,9 +11530,38 @@
           </a:p>
         </p:txBody>
       </p:sp>
+      <p:sp>
+        <p:nvSpPr>
+          <p:cNvPr id="11" name="Date Placeholder 3"/>
+          <p:cNvSpPr>
+            <a:spLocks noGrp="1"/>
+          </p:cNvSpPr>
+          <p:nvPr>
+            <p:ph type="dt" sz="half" idx="10"/>
+          </p:nvPr>
+        </p:nvSpPr>
+        <p:spPr>
+          <a:xfrm>
+            <a:off x="6113182" y="4384422"/>
+            <a:ext cx="354882" cy="305233"/>
+          </a:xfrm>
+        </p:spPr>
+        <p:txBody>
+          <a:bodyPr/>
+          <a:lstStyle/>
+          <a:p>
+            <a:fld id="{1E700B27-DE4C-4B9E-BB11-B9027034A00F}" type="datetimeFigureOut">
+              <a:rPr lang="en-US" smtClean="0"/>
+              <a:pPr/>
+              <a:t>11/25/2025</a:t>
+            </a:fld>
+            <a:endParaRPr lang="en-US" dirty="0"/>
+          </a:p>
+        </p:txBody>
+      </p:sp>
       <p:pic>
         <p:nvPicPr>
-          <p:cNvPr id="8" name="Picture 2" descr="PIC18F26Q24"/>
+          <p:cNvPr id="9" name="Picture 4" descr="PIC16F17556 | Microchip Technology"/>
           <p:cNvPicPr>
             <a:picLocks noChangeAspect="1" noChangeArrowheads="1"/>
           </p:cNvPicPr>
@@ -11466,8 +11582,8 @@
         </p:blipFill>
         <p:spPr bwMode="auto">
           <a:xfrm>
-            <a:off x="1907705" y="4116163"/>
-            <a:ext cx="1280738" cy="922132"/>
+            <a:off x="6750880" y="3974993"/>
+            <a:ext cx="2415427" cy="1178257"/>
           </a:xfrm>
           <a:prstGeom prst="rect">
             <a:avLst/>
@@ -11486,7 +11602,7 @@
       </p:pic>
       <p:pic>
         <p:nvPicPr>
-          <p:cNvPr id="10" name="Picture 8" descr="C:\Users\admin\OneDrive\Desktop\Picture1.jpg"/>
+          <p:cNvPr id="12" name="Picture 11" descr="VQFN / 28"/>
           <p:cNvPicPr>
             <a:picLocks noChangeAspect="1" noChangeArrowheads="1"/>
           </p:cNvPicPr>
@@ -11507,8 +11623,8 @@
         </p:blipFill>
         <p:spPr bwMode="auto">
           <a:xfrm>
-            <a:off x="3995936" y="3937587"/>
-            <a:ext cx="2320300" cy="1129258"/>
+            <a:off x="2555776" y="4127004"/>
+            <a:ext cx="1142256" cy="1026246"/>
           </a:xfrm>
           <a:prstGeom prst="rect">
             <a:avLst/>
@@ -11525,35 +11641,6 @@
           </a:extLst>
         </p:spPr>
       </p:pic>
-      <p:sp>
-        <p:nvSpPr>
-          <p:cNvPr id="11" name="Date Placeholder 3"/>
-          <p:cNvSpPr>
-            <a:spLocks noGrp="1"/>
-          </p:cNvSpPr>
-          <p:nvPr>
-            <p:ph type="dt" sz="half" idx="10"/>
-          </p:nvPr>
-        </p:nvSpPr>
-        <p:spPr>
-          <a:xfrm>
-            <a:off x="6113182" y="4384422"/>
-            <a:ext cx="354882" cy="305233"/>
-          </a:xfrm>
-        </p:spPr>
-        <p:txBody>
-          <a:bodyPr/>
-          <a:lstStyle/>
-          <a:p>
-            <a:fld id="{1E700B27-DE4C-4B9E-BB11-B9027034A00F}" type="datetimeFigureOut">
-              <a:rPr lang="en-US" smtClean="0"/>
-              <a:pPr/>
-              <a:t>11/20/2024</a:t>
-            </a:fld>
-            <a:endParaRPr lang="en-US" dirty="0"/>
-          </a:p>
-        </p:txBody>
-      </p:sp>
     </p:spTree>
     <p:extLst>
       <p:ext uri="{BB962C8B-B14F-4D97-AF65-F5344CB8AC3E}">
@@ -11617,7 +11704,7 @@
             <a:pPr algn="l"/>
             <a:r>
               <a:rPr lang="en-GB" dirty="0" smtClean="0"/>
-              <a:t>PIC18FxxQ24</a:t>
+              <a:t>PIC16F175xx</a:t>
             </a:r>
             <a:endParaRPr lang="en-GB" dirty="0"/>
           </a:p>
@@ -11636,71 +11723,120 @@
         <p:spPr/>
         <p:txBody>
           <a:bodyPr>
-            <a:normAutofit fontScale="92500" lnSpcReduction="10000"/>
+            <a:normAutofit fontScale="92500"/>
           </a:bodyPr>
           <a:lstStyle/>
           <a:p>
             <a:r>
               <a:rPr lang="en-GB" dirty="0" smtClean="0"/>
-              <a:t>PIC18-Q24 is a high performance PIC18 </a:t>
+              <a:t>PIC16165xx  is a high performance PIC16</a:t>
             </a:r>
           </a:p>
           <a:p>
             <a:pPr lvl="1"/>
             <a:r>
+              <a:rPr lang="en-GB" b="1" dirty="0"/>
+              <a:t>Digital and </a:t>
+            </a:r>
+            <a:r>
+              <a:rPr lang="en-GB" b="1" dirty="0" err="1"/>
+              <a:t>analog</a:t>
+            </a:r>
+            <a:r>
+              <a:rPr lang="en-GB" b="1" dirty="0"/>
+              <a:t> peripherals</a:t>
+            </a:r>
+            <a:r>
+              <a:rPr lang="en-GB" dirty="0"/>
+              <a:t> for flexible embedded control</a:t>
+            </a:r>
+          </a:p>
+          <a:p>
+            <a:pPr lvl="1"/>
+            <a:r>
+              <a:rPr lang="en-GB" b="1" dirty="0"/>
+              <a:t>10-bit ADC</a:t>
+            </a:r>
+            <a:r>
+              <a:rPr lang="en-GB" dirty="0"/>
+              <a:t> for accurate </a:t>
+            </a:r>
+            <a:r>
+              <a:rPr lang="en-GB" dirty="0" err="1"/>
+              <a:t>analog</a:t>
+            </a:r>
+            <a:r>
+              <a:rPr lang="en-GB" dirty="0"/>
+              <a:t> signal conversion</a:t>
+            </a:r>
+          </a:p>
+          <a:p>
+            <a:pPr lvl="1"/>
+            <a:r>
+              <a:rPr lang="en-GB" b="1" dirty="0"/>
+              <a:t>Multiple communication interfaces</a:t>
+            </a:r>
+            <a:r>
+              <a:rPr lang="en-GB" dirty="0"/>
+              <a:t> including UART (serial), I²C, and SPI</a:t>
+            </a:r>
+          </a:p>
+          <a:p>
+            <a:pPr lvl="1"/>
+            <a:r>
+              <a:rPr lang="en-GB" b="1" dirty="0"/>
+              <a:t>PWM modules</a:t>
+            </a:r>
+            <a:r>
+              <a:rPr lang="en-GB" dirty="0"/>
+              <a:t> with CCP and 16-bit resolution for precise timing and motor control</a:t>
+            </a:r>
+          </a:p>
+          <a:p>
+            <a:pPr lvl="1"/>
+            <a:r>
+              <a:rPr lang="en-GB" b="1" dirty="0"/>
+              <a:t>Configurable Logic Cells (CLCs)</a:t>
+            </a:r>
+            <a:r>
+              <a:rPr lang="en-GB" dirty="0"/>
+              <a:t> for custom hardware-level logic without external components</a:t>
+            </a:r>
+          </a:p>
+          <a:p>
+            <a:pPr lvl="1"/>
+            <a:r>
+              <a:rPr lang="en-GB" b="1" dirty="0"/>
+              <a:t>Integrated op amps</a:t>
+            </a:r>
+            <a:r>
+              <a:rPr lang="en-GB" dirty="0"/>
+              <a:t> for </a:t>
+            </a:r>
+            <a:r>
+              <a:rPr lang="en-GB" dirty="0" err="1"/>
+              <a:t>onboard</a:t>
+            </a:r>
+            <a:r>
+              <a:rPr lang="en-GB" dirty="0"/>
+              <a:t> </a:t>
+            </a:r>
+            <a:r>
+              <a:rPr lang="en-GB" dirty="0" err="1"/>
+              <a:t>analog</a:t>
+            </a:r>
+            <a:r>
+              <a:rPr lang="en-GB" dirty="0"/>
+              <a:t> signal conditioning and amplification</a:t>
+            </a:r>
+          </a:p>
+          <a:p>
+            <a:endParaRPr lang="en-GB" dirty="0" smtClean="0"/>
+          </a:p>
+          <a:p>
+            <a:r>
               <a:rPr lang="en-GB" dirty="0" smtClean="0"/>
-              <a:t>Digital and Analog peripherals </a:t>
-            </a:r>
-          </a:p>
-          <a:p>
-            <a:pPr lvl="1"/>
-            <a:r>
-              <a:rPr lang="en-GB" dirty="0" smtClean="0"/>
-              <a:t>10-bit ADC</a:t>
-            </a:r>
-          </a:p>
-          <a:p>
-            <a:pPr lvl="1"/>
-            <a:r>
-              <a:rPr lang="en-GB" dirty="0" smtClean="0"/>
-              <a:t>Multiple communication interfaces</a:t>
-            </a:r>
-          </a:p>
-          <a:p>
-            <a:pPr lvl="2"/>
-            <a:r>
-              <a:rPr lang="en-GB" dirty="0" smtClean="0"/>
-              <a:t>Serial, I2C and  SPI </a:t>
-            </a:r>
-          </a:p>
-          <a:p>
-            <a:pPr lvl="2"/>
-            <a:r>
-              <a:rPr lang="en-GB" dirty="0" smtClean="0"/>
-              <a:t>PWM – CCP/PWM and 16Bit</a:t>
-            </a:r>
-          </a:p>
-          <a:p>
-            <a:pPr lvl="1"/>
-            <a:r>
-              <a:rPr lang="en-GB" dirty="0" smtClean="0"/>
-              <a:t>Configurable Logic Cells</a:t>
-            </a:r>
-          </a:p>
-          <a:p>
-            <a:pPr lvl="1"/>
-            <a:r>
-              <a:rPr lang="en-GB" dirty="0" smtClean="0"/>
-              <a:t>Multi voltage domains</a:t>
-            </a:r>
-          </a:p>
-          <a:p>
-            <a:endParaRPr lang="en-GB" dirty="0" smtClean="0"/>
-          </a:p>
-          <a:p>
-            <a:r>
-              <a:rPr lang="en-GB" dirty="0" smtClean="0"/>
-              <a:t>The PIC18xxQ24 offers 28, 40 and 48-pin products in small footprint packages to support customers in a wide variety of applications. </a:t>
+              <a:t>The PIC16175xx offers 14, 20, 28, 40 and 44-pin products in small footprint packages to support customers in a wide variety of applications. </a:t>
             </a:r>
           </a:p>
           <a:p>
@@ -11709,6 +11845,11 @@
         </p:txBody>
       </p:sp>
     </p:spTree>
+    <p:extLst>
+      <p:ext uri="{BB962C8B-B14F-4D97-AF65-F5344CB8AC3E}">
+        <p14:creationId xmlns:p14="http://schemas.microsoft.com/office/powerpoint/2010/main" val="1601434959"/>
+      </p:ext>
+    </p:extLst>
   </p:cSld>
   <p:clrMapOvr>
     <a:masterClrMapping/>
@@ -11984,7 +12125,19 @@
             </a:pPr>
             <a:r>
               <a:rPr lang="en-GB" sz="1100" dirty="0"/>
-              <a:t>Using PWM, 7  ways,  to dim the LEDS</a:t>
+              <a:t>Using PWM, </a:t>
+            </a:r>
+            <a:r>
+              <a:rPr lang="en-GB" sz="1100" dirty="0" smtClean="0"/>
+              <a:t>many</a:t>
+            </a:r>
+            <a:r>
+              <a:rPr lang="en-GB" sz="1100" dirty="0" smtClean="0"/>
+              <a:t>  </a:t>
+            </a:r>
+            <a:r>
+              <a:rPr lang="en-GB" sz="1100" dirty="0"/>
+              <a:t>ways,  to dim the LEDS</a:t>
             </a:r>
           </a:p>
           <a:p>
@@ -12268,7 +12421,7 @@
         <p:spPr>
           <a:xfrm>
             <a:off x="3563888" y="2643758"/>
-            <a:ext cx="3528392" cy="1393943"/>
+            <a:ext cx="3528392" cy="1655553"/>
           </a:xfrm>
           <a:prstGeom prst="rect">
             <a:avLst/>
@@ -12283,16 +12436,29 @@
           <a:p>
             <a:r>
               <a:rPr lang="en-GB" dirty="0" smtClean="0"/>
-              <a:t>GCBASIC is an Open Source compiler for PIC and AVR microcontrollers</a:t>
-            </a:r>
-          </a:p>
-          <a:p>
+              <a:t>GCBASIC is an Open Source compiler for </a:t>
+            </a:r>
+            <a:r>
+              <a:rPr lang="en-GB" dirty="0" smtClean="0"/>
+              <a:t>PIC, AVR and LGT microcontrollers</a:t>
+            </a:r>
             <a:endParaRPr lang="en-GB" dirty="0" smtClean="0"/>
           </a:p>
           <a:p>
+            <a:endParaRPr lang="en-GB" dirty="0" smtClean="0"/>
+          </a:p>
+          <a:p>
             <a:r>
               <a:rPr lang="en-GB" dirty="0" smtClean="0"/>
-              <a:t>GCBASIC now supports the 18FxxQ24 chip family</a:t>
+              <a:t>GCBASIC now supports the </a:t>
+            </a:r>
+            <a:r>
+              <a:rPr lang="en-GB" dirty="0" smtClean="0"/>
+              <a:t>16F175xx </a:t>
+            </a:r>
+            <a:r>
+              <a:rPr lang="en-GB" dirty="0" smtClean="0"/>
+              <a:t>chip family</a:t>
             </a:r>
             <a:endParaRPr lang="en-GB" dirty="0"/>
           </a:p>
@@ -12408,7 +12574,15 @@
             <a:pPr marL="778521" lvl="1" indent="-478483"/>
             <a:r>
               <a:rPr lang="en-GB" dirty="0" smtClean="0"/>
-              <a:t>Test that you have the 18FxxQ24 attached</a:t>
+              <a:t>Test that you have the </a:t>
+            </a:r>
+            <a:r>
+              <a:rPr lang="en-GB" dirty="0" smtClean="0"/>
+              <a:t>16F175xx </a:t>
+            </a:r>
+            <a:r>
+              <a:rPr lang="en-GB" dirty="0" smtClean="0"/>
+              <a:t>attached</a:t>
             </a:r>
           </a:p>
           <a:p>
@@ -12584,7 +12758,7 @@
         <p:spPr>
           <a:xfrm>
             <a:off x="2483768" y="1275606"/>
-            <a:ext cx="4968552" cy="3785652"/>
+            <a:ext cx="4320480" cy="3785652"/>
           </a:xfrm>
           <a:prstGeom prst="rect">
             <a:avLst/>
@@ -12600,64 +12774,12 @@
           <a:lstStyle/>
           <a:p>
             <a:r>
-              <a:rPr lang="en-GB" sz="1200" b="1" dirty="0">
+              <a:rPr lang="en-GB" sz="1200" b="1" dirty="0" smtClean="0">
                 <a:latin typeface="Courier New" panose="02070309020205020404" pitchFamily="49" charset="0"/>
                 <a:cs typeface="Courier New" panose="02070309020205020404" pitchFamily="49" charset="0"/>
               </a:rPr>
               <a:t>    Hardware</a:t>
             </a:r>
-          </a:p>
-          <a:p>
-            <a:r>
-              <a:rPr lang="en-GB" sz="1200" b="1" dirty="0">
-                <a:latin typeface="Courier New" panose="02070309020205020404" pitchFamily="49" charset="0"/>
-                <a:cs typeface="Courier New" panose="02070309020205020404" pitchFamily="49" charset="0"/>
-              </a:rPr>
-              <a:t>    -------------------PORTA----------------</a:t>
-            </a:r>
-          </a:p>
-          <a:p>
-            <a:r>
-              <a:rPr lang="en-GB" sz="1200" b="1" dirty="0">
-                <a:latin typeface="Courier New" panose="02070309020205020404" pitchFamily="49" charset="0"/>
-                <a:cs typeface="Courier New" panose="02070309020205020404" pitchFamily="49" charset="0"/>
-              </a:rPr>
-              <a:t>    Bit#:  -7---6---5---4---3---2---1---0---</a:t>
-            </a:r>
-          </a:p>
-          <a:p>
-            <a:r>
-              <a:rPr lang="en-GB" sz="1200" b="1" dirty="0">
-                <a:latin typeface="Courier New" panose="02070309020205020404" pitchFamily="49" charset="0"/>
-                <a:cs typeface="Courier New" panose="02070309020205020404" pitchFamily="49" charset="0"/>
-              </a:rPr>
-              <a:t>    IO:    </a:t>
-            </a:r>
-            <a:r>
-              <a:rPr lang="en-GB" sz="1200" b="1" dirty="0" smtClean="0">
-                <a:latin typeface="Courier New" panose="02070309020205020404" pitchFamily="49" charset="0"/>
-                <a:cs typeface="Courier New" panose="02070309020205020404" pitchFamily="49" charset="0"/>
-              </a:rPr>
-              <a:t>----------------SW----------ADC-</a:t>
-            </a:r>
-            <a:r>
-              <a:rPr lang="en-GB" sz="1200" b="1" dirty="0">
-                <a:latin typeface="Courier New" panose="02070309020205020404" pitchFamily="49" charset="0"/>
-                <a:cs typeface="Courier New" panose="02070309020205020404" pitchFamily="49" charset="0"/>
-              </a:rPr>
-              <a:t>- </a:t>
-            </a:r>
-          </a:p>
-          <a:p>
-            <a:r>
-              <a:rPr lang="en-GB" sz="1200" b="1" dirty="0">
-                <a:latin typeface="Courier New" panose="02070309020205020404" pitchFamily="49" charset="0"/>
-                <a:cs typeface="Courier New" panose="02070309020205020404" pitchFamily="49" charset="0"/>
-              </a:rPr>
-              <a:t>    ----------------------------------------</a:t>
-            </a:r>
-          </a:p>
-          <a:p>
             <a:r>
               <a:rPr lang="en-GB" sz="1200" b="1" dirty="0">
                 <a:latin typeface="Courier New" panose="02070309020205020404" pitchFamily="49" charset="0"/>
@@ -12676,7 +12798,7 @@
                 <a:latin typeface="Courier New" panose="02070309020205020404" pitchFamily="49" charset="0"/>
                 <a:cs typeface="Courier New" panose="02070309020205020404" pitchFamily="49" charset="0"/>
               </a:rPr>
-              <a:t>    -------------------PORTB----------------</a:t>
+              <a:t>// -------------------PORTA----------------</a:t>
             </a:r>
           </a:p>
           <a:p>
@@ -12685,7 +12807,7 @@
                 <a:latin typeface="Courier New" panose="02070309020205020404" pitchFamily="49" charset="0"/>
                 <a:cs typeface="Courier New" panose="02070309020205020404" pitchFamily="49" charset="0"/>
               </a:rPr>
-              <a:t>    Bit#:  -7---6---5---4---3---2---1---0---</a:t>
+              <a:t>// Bit#:  -7---6---5---4---3---2---1---0---</a:t>
             </a:r>
           </a:p>
           <a:p>
@@ -12694,7 +12816,7 @@
                 <a:latin typeface="Courier New" panose="02070309020205020404" pitchFamily="49" charset="0"/>
                 <a:cs typeface="Courier New" panose="02070309020205020404" pitchFamily="49" charset="0"/>
               </a:rPr>
-              <a:t>    IO:    ----------------LED-LED-LED-LED--</a:t>
+              <a:t>// IO:   -----------------SW----------ADC--</a:t>
             </a:r>
           </a:p>
           <a:p>
@@ -12703,8 +12825,14 @@
                 <a:latin typeface="Courier New" panose="02070309020205020404" pitchFamily="49" charset="0"/>
                 <a:cs typeface="Courier New" panose="02070309020205020404" pitchFamily="49" charset="0"/>
               </a:rPr>
-              <a:t>    ----------------------------------------</a:t>
-            </a:r>
+              <a:t>// ----------------------------------------</a:t>
+            </a:r>
+          </a:p>
+          <a:p>
+            <a:endParaRPr lang="en-GB" sz="1200" b="1" dirty="0">
+              <a:latin typeface="Courier New" panose="02070309020205020404" pitchFamily="49" charset="0"/>
+              <a:cs typeface="Courier New" panose="02070309020205020404" pitchFamily="49" charset="0"/>
+            </a:endParaRPr>
           </a:p>
           <a:p>
             <a:r>
@@ -12712,7 +12840,7 @@
                 <a:latin typeface="Courier New" panose="02070309020205020404" pitchFamily="49" charset="0"/>
                 <a:cs typeface="Courier New" panose="02070309020205020404" pitchFamily="49" charset="0"/>
               </a:rPr>
-              <a:t>    </a:t>
+              <a:t>// -------------------PORTB----------------</a:t>
             </a:r>
           </a:p>
           <a:p>
@@ -12721,7 +12849,7 @@
                 <a:latin typeface="Courier New" panose="02070309020205020404" pitchFamily="49" charset="0"/>
                 <a:cs typeface="Courier New" panose="02070309020205020404" pitchFamily="49" charset="0"/>
               </a:rPr>
-              <a:t>    ------------------PORTC-----------------</a:t>
+              <a:t>// Bit#:  -7---6---5---4---3---2---1---0---</a:t>
             </a:r>
           </a:p>
           <a:p>
@@ -12730,7 +12858,7 @@
                 <a:latin typeface="Courier New" panose="02070309020205020404" pitchFamily="49" charset="0"/>
                 <a:cs typeface="Courier New" panose="02070309020205020404" pitchFamily="49" charset="0"/>
               </a:rPr>
-              <a:t>    Bit#:  -X---6---5---4---3---2---1---0---</a:t>
+              <a:t>// IO:    ---------------------------------</a:t>
             </a:r>
           </a:p>
           <a:p>
@@ -12739,32 +12867,37 @@
                 <a:latin typeface="Courier New" panose="02070309020205020404" pitchFamily="49" charset="0"/>
                 <a:cs typeface="Courier New" panose="02070309020205020404" pitchFamily="49" charset="0"/>
               </a:rPr>
-              <a:t>    IO:    </a:t>
+              <a:t>// ----------------------------------------</a:t>
+            </a:r>
+          </a:p>
+          <a:p>
+            <a:endParaRPr lang="en-GB" sz="1200" b="1" dirty="0">
+              <a:latin typeface="Courier New" panose="02070309020205020404" pitchFamily="49" charset="0"/>
+              <a:cs typeface="Courier New" panose="02070309020205020404" pitchFamily="49" charset="0"/>
+            </a:endParaRPr>
+          </a:p>
+          <a:p>
+            <a:r>
+              <a:rPr lang="en-GB" sz="1200" b="1" dirty="0">
+                <a:latin typeface="Courier New" panose="02070309020205020404" pitchFamily="49" charset="0"/>
+                <a:cs typeface="Courier New" panose="02070309020205020404" pitchFamily="49" charset="0"/>
+              </a:rPr>
+              <a:t>// </a:t>
             </a:r>
             <a:r>
               <a:rPr lang="en-GB" sz="1200" b="1" dirty="0" smtClean="0">
                 <a:latin typeface="Courier New" panose="02070309020205020404" pitchFamily="49" charset="0"/>
                 <a:cs typeface="Courier New" panose="02070309020205020404" pitchFamily="49" charset="0"/>
               </a:rPr>
-              <a:t>-^--TX---------------------------</a:t>
-            </a:r>
-            <a:endParaRPr lang="en-GB" sz="1200" b="1" dirty="0">
-              <a:latin typeface="Courier New" panose="02070309020205020404" pitchFamily="49" charset="0"/>
-              <a:cs typeface="Courier New" panose="02070309020205020404" pitchFamily="49" charset="0"/>
-            </a:endParaRPr>
-          </a:p>
-          <a:p>
+              <a:t>------------------</a:t>
+            </a:r>
             <a:r>
               <a:rPr lang="en-GB" sz="1200" b="1" dirty="0">
                 <a:latin typeface="Courier New" panose="02070309020205020404" pitchFamily="49" charset="0"/>
                 <a:cs typeface="Courier New" panose="02070309020205020404" pitchFamily="49" charset="0"/>
               </a:rPr>
-              <a:t>    -----VDDIO2----------------------------- </a:t>
-            </a:r>
-            <a:endParaRPr lang="en-GB" sz="1200" b="1" dirty="0" smtClean="0">
-              <a:latin typeface="Courier New" panose="02070309020205020404" pitchFamily="49" charset="0"/>
-              <a:cs typeface="Courier New" panose="02070309020205020404" pitchFamily="49" charset="0"/>
-            </a:endParaRPr>
+              <a:t>PORTC-----------------</a:t>
+            </a:r>
           </a:p>
           <a:p>
             <a:r>
@@ -12772,117 +12905,91 @@
                 <a:latin typeface="Courier New" panose="02070309020205020404" pitchFamily="49" charset="0"/>
                 <a:cs typeface="Courier New" panose="02070309020205020404" pitchFamily="49" charset="0"/>
               </a:rPr>
-              <a:t> </a:t>
+              <a:t>// Bit#:  -7---6---5---4---3---2---1---0---</a:t>
+            </a:r>
+          </a:p>
+          <a:p>
+            <a:r>
+              <a:rPr lang="en-GB" sz="1200" b="1" dirty="0">
+                <a:latin typeface="Courier New" panose="02070309020205020404" pitchFamily="49" charset="0"/>
+                <a:cs typeface="Courier New" panose="02070309020205020404" pitchFamily="49" charset="0"/>
+              </a:rPr>
+              <a:t>// IO:    ----TX1-</a:t>
             </a:r>
             <a:r>
               <a:rPr lang="en-GB" sz="1200" b="1" dirty="0" smtClean="0">
                 <a:latin typeface="Courier New" panose="02070309020205020404" pitchFamily="49" charset="0"/>
                 <a:cs typeface="Courier New" panose="02070309020205020404" pitchFamily="49" charset="0"/>
               </a:rPr>
-              <a:t>   You </a:t>
+              <a:t>-------LED-</a:t>
             </a:r>
             <a:r>
               <a:rPr lang="en-GB" sz="1200" b="1" dirty="0">
                 <a:latin typeface="Courier New" panose="02070309020205020404" pitchFamily="49" charset="0"/>
                 <a:cs typeface="Courier New" panose="02070309020205020404" pitchFamily="49" charset="0"/>
               </a:rPr>
-              <a:t>must apply correct </a:t>
+              <a:t>-LED-LED LED--</a:t>
+            </a:r>
+          </a:p>
+          <a:p>
+            <a:r>
+              <a:rPr lang="en-GB" sz="1200" b="1" dirty="0">
+                <a:latin typeface="Courier New" panose="02070309020205020404" pitchFamily="49" charset="0"/>
+                <a:cs typeface="Courier New" panose="02070309020205020404" pitchFamily="49" charset="0"/>
+              </a:rPr>
+              <a:t>// ----------------------------------------</a:t>
+            </a:r>
+          </a:p>
+          <a:p>
+            <a:r>
+              <a:rPr lang="en-GB" sz="1200" b="1" dirty="0">
+                <a:latin typeface="Courier New" panose="02070309020205020404" pitchFamily="49" charset="0"/>
+                <a:cs typeface="Courier New" panose="02070309020205020404" pitchFamily="49" charset="0"/>
+              </a:rPr>
+              <a:t>//</a:t>
+            </a:r>
+          </a:p>
+          <a:p>
+            <a:r>
+              <a:rPr lang="en-GB" sz="1200" b="1" dirty="0">
+                <a:latin typeface="Courier New" panose="02070309020205020404" pitchFamily="49" charset="0"/>
+                <a:cs typeface="Courier New" panose="02070309020205020404" pitchFamily="49" charset="0"/>
+              </a:rPr>
+              <a:t>// ------------------PORTE-----------------</a:t>
+            </a:r>
+          </a:p>
+          <a:p>
+            <a:r>
+              <a:rPr lang="en-GB" sz="1200" b="1" dirty="0">
+                <a:latin typeface="Courier New" panose="02070309020205020404" pitchFamily="49" charset="0"/>
+                <a:cs typeface="Courier New" panose="02070309020205020404" pitchFamily="49" charset="0"/>
+              </a:rPr>
+              <a:t>// Bit#:  -7---6---5---4---3---2---1---0---</a:t>
+            </a:r>
+          </a:p>
+          <a:p>
+            <a:r>
+              <a:rPr lang="en-GB" sz="1200" b="1" dirty="0">
+                <a:latin typeface="Courier New" panose="02070309020205020404" pitchFamily="49" charset="0"/>
+                <a:cs typeface="Courier New" panose="02070309020205020404" pitchFamily="49" charset="0"/>
+              </a:rPr>
+              <a:t>// IO:    ----------------MCLR-------------</a:t>
+            </a:r>
+          </a:p>
+          <a:p>
+            <a:r>
+              <a:rPr lang="en-GB" sz="1200" b="1" dirty="0">
+                <a:latin typeface="Courier New" panose="02070309020205020404" pitchFamily="49" charset="0"/>
+                <a:cs typeface="Courier New" panose="02070309020205020404" pitchFamily="49" charset="0"/>
+              </a:rPr>
+              <a:t>// ------------------------SW-</a:t>
             </a:r>
             <a:r>
               <a:rPr lang="en-GB" sz="1200" b="1" dirty="0" smtClean="0">
                 <a:latin typeface="Courier New" panose="02070309020205020404" pitchFamily="49" charset="0"/>
                 <a:cs typeface="Courier New" panose="02070309020205020404" pitchFamily="49" charset="0"/>
               </a:rPr>
-              <a:t>Voltage</a:t>
-            </a:r>
-          </a:p>
-          <a:p>
-            <a:r>
-              <a:rPr lang="en-GB" sz="1200" b="1" dirty="0" smtClean="0">
-                <a:latin typeface="Courier New" panose="02070309020205020404" pitchFamily="49" charset="0"/>
-                <a:cs typeface="Courier New" panose="02070309020205020404" pitchFamily="49" charset="0"/>
-              </a:rPr>
-              <a:t> </a:t>
-            </a:r>
-            <a:r>
-              <a:rPr lang="en-GB" sz="1200" b="1" dirty="0">
-                <a:latin typeface="Courier New" panose="02070309020205020404" pitchFamily="49" charset="0"/>
-                <a:cs typeface="Courier New" panose="02070309020205020404" pitchFamily="49" charset="0"/>
-              </a:rPr>
-              <a:t>  </a:t>
-            </a:r>
-          </a:p>
-          <a:p>
-            <a:r>
-              <a:rPr lang="en-GB" sz="1200" b="1" dirty="0">
-                <a:latin typeface="Courier New" panose="02070309020205020404" pitchFamily="49" charset="0"/>
-                <a:cs typeface="Courier New" panose="02070309020205020404" pitchFamily="49" charset="0"/>
-              </a:rPr>
-              <a:t>    ------------------</a:t>
-            </a:r>
-            <a:r>
-              <a:rPr lang="en-GB" sz="1200" b="1" dirty="0" smtClean="0">
-                <a:latin typeface="Courier New" panose="02070309020205020404" pitchFamily="49" charset="0"/>
-                <a:cs typeface="Courier New" panose="02070309020205020404" pitchFamily="49" charset="0"/>
-              </a:rPr>
-              <a:t>PORTE-</a:t>
-            </a:r>
-            <a:r>
-              <a:rPr lang="en-GB" sz="1200" b="1" dirty="0">
-                <a:latin typeface="Courier New" panose="02070309020205020404" pitchFamily="49" charset="0"/>
-                <a:cs typeface="Courier New" panose="02070309020205020404" pitchFamily="49" charset="0"/>
-              </a:rPr>
-              <a:t>----------------</a:t>
-            </a:r>
-          </a:p>
-          <a:p>
-            <a:r>
-              <a:rPr lang="en-GB" sz="1200" b="1" dirty="0">
-                <a:latin typeface="Courier New" panose="02070309020205020404" pitchFamily="49" charset="0"/>
-                <a:cs typeface="Courier New" panose="02070309020205020404" pitchFamily="49" charset="0"/>
-              </a:rPr>
-              <a:t>    Bit#:  </a:t>
-            </a:r>
-            <a:r>
-              <a:rPr lang="en-GB" sz="1200" b="1" dirty="0" smtClean="0">
-                <a:latin typeface="Courier New" panose="02070309020205020404" pitchFamily="49" charset="0"/>
-                <a:cs typeface="Courier New" panose="02070309020205020404" pitchFamily="49" charset="0"/>
-              </a:rPr>
-              <a:t>-----------------</a:t>
-            </a:r>
-            <a:r>
-              <a:rPr lang="en-GB" sz="1200" b="1" dirty="0">
-                <a:latin typeface="Courier New" panose="02070309020205020404" pitchFamily="49" charset="0"/>
-                <a:cs typeface="Courier New" panose="02070309020205020404" pitchFamily="49" charset="0"/>
-              </a:rPr>
-              <a:t>3-</a:t>
-            </a:r>
-            <a:r>
-              <a:rPr lang="en-GB" sz="1200" b="1" dirty="0" smtClean="0">
-                <a:latin typeface="Courier New" panose="02070309020205020404" pitchFamily="49" charset="0"/>
-                <a:cs typeface="Courier New" panose="02070309020205020404" pitchFamily="49" charset="0"/>
-              </a:rPr>
-              <a:t>--------------</a:t>
-            </a:r>
-            <a:endParaRPr lang="en-GB" sz="1200" b="1" dirty="0">
-              <a:latin typeface="Courier New" panose="02070309020205020404" pitchFamily="49" charset="0"/>
-              <a:cs typeface="Courier New" panose="02070309020205020404" pitchFamily="49" charset="0"/>
-            </a:endParaRPr>
-          </a:p>
-          <a:p>
-            <a:r>
-              <a:rPr lang="en-GB" sz="1200" b="1" dirty="0">
-                <a:latin typeface="Courier New" panose="02070309020205020404" pitchFamily="49" charset="0"/>
-                <a:cs typeface="Courier New" panose="02070309020205020404" pitchFamily="49" charset="0"/>
-              </a:rPr>
-              <a:t>    IO:    </a:t>
-            </a:r>
-            <a:r>
-              <a:rPr lang="en-GB" sz="1200" b="1" dirty="0" smtClean="0">
-                <a:latin typeface="Courier New" panose="02070309020205020404" pitchFamily="49" charset="0"/>
-                <a:cs typeface="Courier New" panose="02070309020205020404" pitchFamily="49" charset="0"/>
-              </a:rPr>
-              <a:t>----------------SW---------------</a:t>
+              <a:t>-------------</a:t>
             </a:r>
             <a:endParaRPr lang="en-GB" sz="1200" b="1" dirty="0">
               <a:latin typeface="Courier New" panose="02070309020205020404" pitchFamily="49" charset="0"/>
@@ -12941,93 +13048,714 @@
             <p:ph type="title"/>
           </p:nvPr>
         </p:nvSpPr>
-        <p:spPr/>
-        <p:txBody>
-          <a:bodyPr/>
+        <p:spPr>
+          <a:xfrm>
+            <a:off x="155575" y="501030"/>
+            <a:ext cx="5400600" cy="990600"/>
+          </a:xfrm>
+        </p:spPr>
+        <p:txBody>
+          <a:bodyPr vert="horz" lIns="85064" tIns="42531" rIns="85064" bIns="42531" rtlCol="0" anchor="t">
+            <a:normAutofit/>
+          </a:bodyPr>
           <a:lstStyle/>
           <a:p>
             <a:r>
-              <a:rPr lang="en-GB" dirty="0" smtClean="0"/>
-              <a:t>Power Domain – VDDIO2</a:t>
-            </a:r>
-            <a:endParaRPr lang="en-GB" dirty="0"/>
-          </a:p>
-        </p:txBody>
-      </p:sp>
-      <p:pic>
-        <p:nvPicPr>
-          <p:cNvPr id="4" name="Picture 2"/>
-          <p:cNvPicPr>
-            <a:picLocks noChangeAspect="1" noChangeArrowheads="1"/>
-          </p:cNvPicPr>
+              <a:rPr lang="en-GB" dirty="0"/>
+              <a:t>Digital input</a:t>
+            </a:r>
+          </a:p>
+        </p:txBody>
+      </p:sp>
+      <p:sp>
+        <p:nvSpPr>
+          <p:cNvPr id="5" name="AutoShape 4" descr="Uploaded image"/>
+          <p:cNvSpPr>
+            <a:spLocks noChangeAspect="1" noChangeArrowheads="1"/>
+          </p:cNvSpPr>
           <p:nvPr/>
-        </p:nvPicPr>
-        <p:blipFill>
-          <a:blip r:embed="rId2">
-            <a:extLst>
-              <a:ext uri="{28A0092B-C50C-407E-A947-70E740481C1C}">
-                <a14:useLocalDpi xmlns:a14="http://schemas.microsoft.com/office/drawing/2010/main" val="0"/>
-              </a:ext>
-            </a:extLst>
-          </a:blip>
-          <a:srcRect/>
-          <a:stretch>
-            <a:fillRect/>
-          </a:stretch>
-        </p:blipFill>
+        </p:nvSpPr>
         <p:spPr bwMode="auto">
           <a:xfrm>
-            <a:off x="2884410" y="1419622"/>
-            <a:ext cx="3973716" cy="3469327"/>
+            <a:off x="155575" y="-144463"/>
+            <a:ext cx="304800" cy="304801"/>
           </a:xfrm>
           <a:prstGeom prst="rect">
             <a:avLst/>
           </a:prstGeom>
           <a:noFill/>
-          <a:ln>
-            <a:noFill/>
-          </a:ln>
-          <a:effectLst/>
           <a:extLst>
             <a:ext uri="{909E8E84-426E-40DD-AFC4-6F175D3DCCD1}">
               <a14:hiddenFill xmlns:a14="http://schemas.microsoft.com/office/drawing/2010/main">
                 <a:solidFill>
-                  <a:schemeClr val="accent1"/>
+                  <a:srgbClr val="FFFFFF"/>
                 </a:solidFill>
               </a14:hiddenFill>
-            </a:ext>
-            <a:ext uri="{91240B29-F687-4F45-9708-019B960494DF}">
-              <a14:hiddenLine xmlns:a14="http://schemas.microsoft.com/office/drawing/2010/main" w="9525">
-                <a:solidFill>
-                  <a:schemeClr val="tx1"/>
-                </a:solidFill>
-                <a:miter lim="800000"/>
-                <a:headEnd/>
-                <a:tailEnd/>
-              </a14:hiddenLine>
-            </a:ext>
-            <a:ext uri="{AF507438-7753-43E0-B8FC-AC1667EBCBE1}">
-              <a14:hiddenEffects xmlns:a14="http://schemas.microsoft.com/office/drawing/2010/main">
-                <a:effectLst>
-                  <a:outerShdw dist="35921" dir="2700000" algn="ctr" rotWithShape="0">
-                    <a:schemeClr val="bg2"/>
-                  </a:outerShdw>
-                </a:effectLst>
-              </a14:hiddenEffects>
             </a:ext>
           </a:extLst>
         </p:spPr>
-      </p:pic>
+        <p:txBody>
+          <a:bodyPr vert="horz" wrap="square" lIns="91440" tIns="45720" rIns="91440" bIns="45720" numCol="1" anchor="t" anchorCtr="0" compatLnSpc="1">
+            <a:prstTxWarp prst="textNoShape">
+              <a:avLst/>
+            </a:prstTxWarp>
+          </a:bodyPr>
+          <a:lstStyle/>
+          <a:p>
+            <a:endParaRPr lang="en-GB"/>
+          </a:p>
+        </p:txBody>
+      </p:sp>
+      <p:sp>
+        <p:nvSpPr>
+          <p:cNvPr id="8" name="AutoShape 6" descr="Uploaded image"/>
+          <p:cNvSpPr>
+            <a:spLocks noChangeAspect="1" noChangeArrowheads="1"/>
+          </p:cNvSpPr>
+          <p:nvPr/>
+        </p:nvSpPr>
+        <p:spPr bwMode="auto">
+          <a:xfrm>
+            <a:off x="307975" y="7937"/>
+            <a:ext cx="304800" cy="304801"/>
+          </a:xfrm>
+          <a:prstGeom prst="rect">
+            <a:avLst/>
+          </a:prstGeom>
+          <a:noFill/>
+          <a:extLst>
+            <a:ext uri="{909E8E84-426E-40DD-AFC4-6F175D3DCCD1}">
+              <a14:hiddenFill xmlns:a14="http://schemas.microsoft.com/office/drawing/2010/main">
+                <a:solidFill>
+                  <a:srgbClr val="FFFFFF"/>
+                </a:solidFill>
+              </a14:hiddenFill>
+            </a:ext>
+          </a:extLst>
+        </p:spPr>
+        <p:txBody>
+          <a:bodyPr vert="horz" wrap="square" lIns="91440" tIns="45720" rIns="91440" bIns="45720" numCol="1" anchor="t" anchorCtr="0" compatLnSpc="1">
+            <a:prstTxWarp prst="textNoShape">
+              <a:avLst/>
+            </a:prstTxWarp>
+          </a:bodyPr>
+          <a:lstStyle/>
+          <a:p>
+            <a:endParaRPr lang="en-GB"/>
+          </a:p>
+        </p:txBody>
+      </p:sp>
+      <p:sp>
+        <p:nvSpPr>
+          <p:cNvPr id="11" name="AutoShape 8" descr="image.png"/>
+          <p:cNvSpPr>
+            <a:spLocks noChangeAspect="1" noChangeArrowheads="1"/>
+          </p:cNvSpPr>
+          <p:nvPr/>
+        </p:nvSpPr>
+        <p:spPr bwMode="auto">
+          <a:xfrm>
+            <a:off x="460375" y="160337"/>
+            <a:ext cx="304800" cy="304801"/>
+          </a:xfrm>
+          <a:prstGeom prst="rect">
+            <a:avLst/>
+          </a:prstGeom>
+          <a:noFill/>
+          <a:extLst>
+            <a:ext uri="{909E8E84-426E-40DD-AFC4-6F175D3DCCD1}">
+              <a14:hiddenFill xmlns:a14="http://schemas.microsoft.com/office/drawing/2010/main">
+                <a:solidFill>
+                  <a:srgbClr val="FFFFFF"/>
+                </a:solidFill>
+              </a14:hiddenFill>
+            </a:ext>
+          </a:extLst>
+        </p:spPr>
+        <p:txBody>
+          <a:bodyPr vert="horz" wrap="square" lIns="91440" tIns="45720" rIns="91440" bIns="45720" numCol="1" anchor="t" anchorCtr="0" compatLnSpc="1">
+            <a:prstTxWarp prst="textNoShape">
+              <a:avLst/>
+            </a:prstTxWarp>
+          </a:bodyPr>
+          <a:lstStyle/>
+          <a:p>
+            <a:endParaRPr lang="en-GB"/>
+          </a:p>
+        </p:txBody>
+      </p:sp>
+      <p:grpSp>
+        <p:nvGrpSpPr>
+          <p:cNvPr id="25" name="Group 24"/>
+          <p:cNvGrpSpPr/>
+          <p:nvPr/>
+        </p:nvGrpSpPr>
+        <p:grpSpPr>
+          <a:xfrm>
+            <a:off x="547911" y="1563638"/>
+            <a:ext cx="4384129" cy="2952328"/>
+            <a:chOff x="1043608" y="1563638"/>
+            <a:chExt cx="4384129" cy="2952328"/>
+          </a:xfrm>
+        </p:grpSpPr>
+        <p:pic>
+          <p:nvPicPr>
+            <p:cNvPr id="1036" name="Picture 12"/>
+            <p:cNvPicPr>
+              <a:picLocks noChangeAspect="1" noChangeArrowheads="1"/>
+            </p:cNvPicPr>
+            <p:nvPr/>
+          </p:nvPicPr>
+          <p:blipFill>
+            <a:blip r:embed="rId2">
+              <a:extLst>
+                <a:ext uri="{28A0092B-C50C-407E-A947-70E740481C1C}">
+                  <a14:useLocalDpi xmlns:a14="http://schemas.microsoft.com/office/drawing/2010/main" val="0"/>
+                </a:ext>
+              </a:extLst>
+            </a:blip>
+            <a:srcRect/>
+            <a:stretch>
+              <a:fillRect/>
+            </a:stretch>
+          </p:blipFill>
+          <p:spPr bwMode="auto">
+            <a:xfrm>
+              <a:off x="1043608" y="1563638"/>
+              <a:ext cx="1476375" cy="2924175"/>
+            </a:xfrm>
+            <a:prstGeom prst="rect">
+              <a:avLst/>
+            </a:prstGeom>
+            <a:noFill/>
+            <a:ln>
+              <a:noFill/>
+            </a:ln>
+            <a:effectLst/>
+            <a:extLst>
+              <a:ext uri="{909E8E84-426E-40DD-AFC4-6F175D3DCCD1}">
+                <a14:hiddenFill xmlns:a14="http://schemas.microsoft.com/office/drawing/2010/main">
+                  <a:solidFill>
+                    <a:schemeClr val="accent1"/>
+                  </a:solidFill>
+                </a14:hiddenFill>
+              </a:ext>
+              <a:ext uri="{91240B29-F687-4F45-9708-019B960494DF}">
+                <a14:hiddenLine xmlns:a14="http://schemas.microsoft.com/office/drawing/2010/main" w="9525">
+                  <a:solidFill>
+                    <a:schemeClr val="tx1"/>
+                  </a:solidFill>
+                  <a:miter lim="800000"/>
+                  <a:headEnd/>
+                  <a:tailEnd/>
+                </a14:hiddenLine>
+              </a:ext>
+              <a:ext uri="{AF507438-7753-43E0-B8FC-AC1667EBCBE1}">
+                <a14:hiddenEffects xmlns:a14="http://schemas.microsoft.com/office/drawing/2010/main">
+                  <a:effectLst>
+                    <a:outerShdw dist="35921" dir="2700000" algn="ctr" rotWithShape="0">
+                      <a:schemeClr val="bg2"/>
+                    </a:outerShdw>
+                  </a:effectLst>
+                </a14:hiddenEffects>
+              </a:ext>
+            </a:extLst>
+          </p:spPr>
+        </p:pic>
+        <p:pic>
+          <p:nvPicPr>
+            <p:cNvPr id="1037" name="Picture 13"/>
+            <p:cNvPicPr>
+              <a:picLocks noChangeAspect="1" noChangeArrowheads="1"/>
+            </p:cNvPicPr>
+            <p:nvPr/>
+          </p:nvPicPr>
+          <p:blipFill>
+            <a:blip r:embed="rId3">
+              <a:extLst>
+                <a:ext uri="{28A0092B-C50C-407E-A947-70E740481C1C}">
+                  <a14:useLocalDpi xmlns:a14="http://schemas.microsoft.com/office/drawing/2010/main" val="0"/>
+                </a:ext>
+              </a:extLst>
+            </a:blip>
+            <a:srcRect/>
+            <a:stretch>
+              <a:fillRect/>
+            </a:stretch>
+          </p:blipFill>
+          <p:spPr bwMode="auto">
+            <a:xfrm>
+              <a:off x="3779912" y="1565118"/>
+              <a:ext cx="1647825" cy="2950848"/>
+            </a:xfrm>
+            <a:prstGeom prst="rect">
+              <a:avLst/>
+            </a:prstGeom>
+            <a:noFill/>
+            <a:ln>
+              <a:noFill/>
+            </a:ln>
+            <a:effectLst/>
+            <a:extLst>
+              <a:ext uri="{909E8E84-426E-40DD-AFC4-6F175D3DCCD1}">
+                <a14:hiddenFill xmlns:a14="http://schemas.microsoft.com/office/drawing/2010/main">
+                  <a:solidFill>
+                    <a:schemeClr val="accent1"/>
+                  </a:solidFill>
+                </a14:hiddenFill>
+              </a:ext>
+              <a:ext uri="{91240B29-F687-4F45-9708-019B960494DF}">
+                <a14:hiddenLine xmlns:a14="http://schemas.microsoft.com/office/drawing/2010/main" w="9525">
+                  <a:solidFill>
+                    <a:schemeClr val="tx1"/>
+                  </a:solidFill>
+                  <a:miter lim="800000"/>
+                  <a:headEnd/>
+                  <a:tailEnd/>
+                </a14:hiddenLine>
+              </a:ext>
+              <a:ext uri="{AF507438-7753-43E0-B8FC-AC1667EBCBE1}">
+                <a14:hiddenEffects xmlns:a14="http://schemas.microsoft.com/office/drawing/2010/main">
+                  <a:effectLst>
+                    <a:outerShdw dist="35921" dir="2700000" algn="ctr" rotWithShape="0">
+                      <a:schemeClr val="bg2"/>
+                    </a:outerShdw>
+                  </a:effectLst>
+                </a14:hiddenEffects>
+              </a:ext>
+            </a:extLst>
+          </p:spPr>
+        </p:pic>
+        <p:sp>
+          <p:nvSpPr>
+            <p:cNvPr id="24" name="Rectangle 23"/>
+            <p:cNvSpPr/>
+            <p:nvPr/>
+          </p:nvSpPr>
+          <p:spPr>
+            <a:xfrm>
+              <a:off x="2555776" y="1563638"/>
+              <a:ext cx="1152128" cy="2894062"/>
+            </a:xfrm>
+            <a:prstGeom prst="rect">
+              <a:avLst/>
+            </a:prstGeom>
+            <a:solidFill>
+              <a:schemeClr val="bg1"/>
+            </a:solidFill>
+          </p:spPr>
+          <p:style>
+            <a:lnRef idx="2">
+              <a:schemeClr val="accent1">
+                <a:shade val="50000"/>
+              </a:schemeClr>
+            </a:lnRef>
+            <a:fillRef idx="1">
+              <a:schemeClr val="accent1"/>
+            </a:fillRef>
+            <a:effectRef idx="0">
+              <a:schemeClr val="accent1"/>
+            </a:effectRef>
+            <a:fontRef idx="minor">
+              <a:schemeClr val="lt1"/>
+            </a:fontRef>
+          </p:style>
+          <p:txBody>
+            <a:bodyPr rtlCol="0" anchor="ctr"/>
+            <a:lstStyle/>
+            <a:p>
+              <a:pPr algn="ctr"/>
+              <a:endParaRPr lang="en-GB" dirty="0"/>
+            </a:p>
+          </p:txBody>
+        </p:sp>
+      </p:grpSp>
+      <p:sp>
+        <p:nvSpPr>
+          <p:cNvPr id="26" name="Rectangle 25"/>
+          <p:cNvSpPr/>
+          <p:nvPr/>
+        </p:nvSpPr>
+        <p:spPr>
+          <a:xfrm>
+            <a:off x="515615" y="1804416"/>
+            <a:ext cx="2120528" cy="180000"/>
+          </a:xfrm>
+          <a:prstGeom prst="rect">
+            <a:avLst/>
+          </a:prstGeom>
+          <a:noFill/>
+          <a:ln w="38100">
+            <a:solidFill>
+              <a:srgbClr val="FF0000"/>
+            </a:solidFill>
+          </a:ln>
+        </p:spPr>
+        <p:style>
+          <a:lnRef idx="2">
+            <a:schemeClr val="accent1">
+              <a:shade val="50000"/>
+            </a:schemeClr>
+          </a:lnRef>
+          <a:fillRef idx="1">
+            <a:schemeClr val="accent1"/>
+          </a:fillRef>
+          <a:effectRef idx="0">
+            <a:schemeClr val="accent1"/>
+          </a:effectRef>
+          <a:fontRef idx="minor">
+            <a:schemeClr val="lt1"/>
+          </a:fontRef>
+        </p:style>
+        <p:txBody>
+          <a:bodyPr rtlCol="0" anchor="ctr"/>
+          <a:lstStyle/>
+          <a:p>
+            <a:pPr algn="r"/>
+            <a:r>
+              <a:rPr lang="en-GB" dirty="0" smtClean="0">
+                <a:solidFill>
+                  <a:schemeClr val="tx1"/>
+                </a:solidFill>
+              </a:rPr>
+              <a:t>ADC</a:t>
+            </a:r>
+            <a:endParaRPr lang="en-GB" dirty="0">
+              <a:solidFill>
+                <a:schemeClr val="tx1"/>
+              </a:solidFill>
+            </a:endParaRPr>
+          </a:p>
+        </p:txBody>
+      </p:sp>
+      <p:sp>
+        <p:nvSpPr>
+          <p:cNvPr id="15" name="Rectangle 14"/>
+          <p:cNvSpPr/>
+          <p:nvPr/>
+        </p:nvSpPr>
+        <p:spPr>
+          <a:xfrm>
+            <a:off x="460375" y="3435846"/>
+            <a:ext cx="2120528" cy="864096"/>
+          </a:xfrm>
+          <a:prstGeom prst="rect">
+            <a:avLst/>
+          </a:prstGeom>
+          <a:noFill/>
+          <a:ln w="38100">
+            <a:solidFill>
+              <a:srgbClr val="FF0000"/>
+            </a:solidFill>
+          </a:ln>
+        </p:spPr>
+        <p:style>
+          <a:lnRef idx="2">
+            <a:schemeClr val="accent1">
+              <a:shade val="50000"/>
+            </a:schemeClr>
+          </a:lnRef>
+          <a:fillRef idx="1">
+            <a:schemeClr val="accent1"/>
+          </a:fillRef>
+          <a:effectRef idx="0">
+            <a:schemeClr val="accent1"/>
+          </a:effectRef>
+          <a:fontRef idx="minor">
+            <a:schemeClr val="lt1"/>
+          </a:fontRef>
+        </p:style>
+        <p:txBody>
+          <a:bodyPr rtlCol="0" anchor="ctr"/>
+          <a:lstStyle/>
+          <a:p>
+            <a:pPr algn="r"/>
+            <a:r>
+              <a:rPr lang="en-GB" dirty="0" smtClean="0">
+                <a:solidFill>
+                  <a:schemeClr val="tx1"/>
+                </a:solidFill>
+              </a:rPr>
+              <a:t>LED</a:t>
+            </a:r>
+            <a:endParaRPr lang="en-GB" dirty="0">
+              <a:solidFill>
+                <a:schemeClr val="tx1"/>
+              </a:solidFill>
+            </a:endParaRPr>
+          </a:p>
+        </p:txBody>
+      </p:sp>
+      <p:sp>
+        <p:nvSpPr>
+          <p:cNvPr id="16" name="Rectangle 15"/>
+          <p:cNvSpPr/>
+          <p:nvPr/>
+        </p:nvSpPr>
+        <p:spPr>
+          <a:xfrm>
+            <a:off x="519448" y="2355726"/>
+            <a:ext cx="2120528" cy="180000"/>
+          </a:xfrm>
+          <a:prstGeom prst="rect">
+            <a:avLst/>
+          </a:prstGeom>
+          <a:noFill/>
+          <a:ln w="38100">
+            <a:solidFill>
+              <a:srgbClr val="FF0000"/>
+            </a:solidFill>
+          </a:ln>
+        </p:spPr>
+        <p:style>
+          <a:lnRef idx="2">
+            <a:schemeClr val="accent1">
+              <a:shade val="50000"/>
+            </a:schemeClr>
+          </a:lnRef>
+          <a:fillRef idx="1">
+            <a:schemeClr val="accent1"/>
+          </a:fillRef>
+          <a:effectRef idx="0">
+            <a:schemeClr val="accent1"/>
+          </a:effectRef>
+          <a:fontRef idx="minor">
+            <a:schemeClr val="lt1"/>
+          </a:fontRef>
+        </p:style>
+        <p:txBody>
+          <a:bodyPr rtlCol="0" anchor="ctr"/>
+          <a:lstStyle/>
+          <a:p>
+            <a:pPr algn="r"/>
+            <a:r>
+              <a:rPr lang="en-GB" dirty="0" smtClean="0">
+                <a:solidFill>
+                  <a:schemeClr val="tx1"/>
+                </a:solidFill>
+              </a:rPr>
+              <a:t>SW</a:t>
+            </a:r>
+            <a:endParaRPr lang="en-GB" dirty="0">
+              <a:solidFill>
+                <a:schemeClr val="tx1"/>
+              </a:solidFill>
+            </a:endParaRPr>
+          </a:p>
+        </p:txBody>
+      </p:sp>
+      <p:sp>
+        <p:nvSpPr>
+          <p:cNvPr id="4" name="Rectangle 3"/>
+          <p:cNvSpPr/>
+          <p:nvPr/>
+        </p:nvSpPr>
+        <p:spPr>
+          <a:xfrm>
+            <a:off x="6732240" y="3651870"/>
+            <a:ext cx="432048" cy="318266"/>
+          </a:xfrm>
+          <a:prstGeom prst="rect">
+            <a:avLst/>
+          </a:prstGeom>
+          <a:solidFill>
+            <a:schemeClr val="bg1"/>
+          </a:solidFill>
+          <a:ln>
+            <a:solidFill>
+              <a:schemeClr val="bg1"/>
+            </a:solidFill>
+          </a:ln>
+        </p:spPr>
+        <p:style>
+          <a:lnRef idx="2">
+            <a:schemeClr val="accent1">
+              <a:shade val="50000"/>
+            </a:schemeClr>
+          </a:lnRef>
+          <a:fillRef idx="1">
+            <a:schemeClr val="accent1"/>
+          </a:fillRef>
+          <a:effectRef idx="0">
+            <a:schemeClr val="accent1"/>
+          </a:effectRef>
+          <a:fontRef idx="minor">
+            <a:schemeClr val="lt1"/>
+          </a:fontRef>
+        </p:style>
+        <p:txBody>
+          <a:bodyPr rtlCol="0" anchor="ctr"/>
+          <a:lstStyle/>
+          <a:p>
+            <a:pPr algn="ctr"/>
+            <a:endParaRPr lang="en-GB"/>
+          </a:p>
+        </p:txBody>
+      </p:sp>
+      <p:cxnSp>
+        <p:nvCxnSpPr>
+          <p:cNvPr id="10" name="Straight Connector 9"/>
+          <p:cNvCxnSpPr/>
+          <p:nvPr/>
+        </p:nvCxnSpPr>
+        <p:spPr>
+          <a:xfrm>
+            <a:off x="6660232" y="3867894"/>
+            <a:ext cx="648072" cy="0"/>
+          </a:xfrm>
+          <a:prstGeom prst="line">
+            <a:avLst/>
+          </a:prstGeom>
+        </p:spPr>
+        <p:style>
+          <a:lnRef idx="1">
+            <a:schemeClr val="accent1"/>
+          </a:lnRef>
+          <a:fillRef idx="0">
+            <a:schemeClr val="accent1"/>
+          </a:fillRef>
+          <a:effectRef idx="0">
+            <a:schemeClr val="accent1"/>
+          </a:effectRef>
+          <a:fontRef idx="minor">
+            <a:schemeClr val="tx1"/>
+          </a:fontRef>
+        </p:style>
+      </p:cxnSp>
+      <p:sp>
+        <p:nvSpPr>
+          <p:cNvPr id="32" name="Rectangle 31"/>
+          <p:cNvSpPr/>
+          <p:nvPr/>
+        </p:nvSpPr>
+        <p:spPr>
+          <a:xfrm>
+            <a:off x="519448" y="1566672"/>
+            <a:ext cx="2120528" cy="200406"/>
+          </a:xfrm>
+          <a:prstGeom prst="rect">
+            <a:avLst/>
+          </a:prstGeom>
+          <a:noFill/>
+          <a:ln w="38100">
+            <a:solidFill>
+              <a:srgbClr val="FF0000"/>
+            </a:solidFill>
+          </a:ln>
+        </p:spPr>
+        <p:style>
+          <a:lnRef idx="2">
+            <a:schemeClr val="accent1">
+              <a:shade val="50000"/>
+            </a:schemeClr>
+          </a:lnRef>
+          <a:fillRef idx="1">
+            <a:schemeClr val="accent1"/>
+          </a:fillRef>
+          <a:effectRef idx="0">
+            <a:schemeClr val="accent1"/>
+          </a:effectRef>
+          <a:fontRef idx="minor">
+            <a:schemeClr val="lt1"/>
+          </a:fontRef>
+        </p:style>
+        <p:txBody>
+          <a:bodyPr rtlCol="0" anchor="ctr"/>
+          <a:lstStyle/>
+          <a:p>
+            <a:pPr algn="r"/>
+            <a:r>
+              <a:rPr lang="en-GB" dirty="0" smtClean="0">
+                <a:solidFill>
+                  <a:schemeClr val="tx1"/>
+                </a:solidFill>
+              </a:rPr>
+              <a:t>SW</a:t>
+            </a:r>
+            <a:endParaRPr lang="en-GB" dirty="0">
+              <a:solidFill>
+                <a:schemeClr val="tx1"/>
+              </a:solidFill>
+            </a:endParaRPr>
+          </a:p>
+        </p:txBody>
+      </p:sp>
+      <p:sp>
+        <p:nvSpPr>
+          <p:cNvPr id="17" name="Rectangle 16"/>
+          <p:cNvSpPr/>
+          <p:nvPr/>
+        </p:nvSpPr>
+        <p:spPr>
+          <a:xfrm>
+            <a:off x="3305320" y="3757806"/>
+            <a:ext cx="2202784" cy="180000"/>
+          </a:xfrm>
+          <a:prstGeom prst="rect">
+            <a:avLst/>
+          </a:prstGeom>
+          <a:noFill/>
+          <a:ln w="38100">
+            <a:solidFill>
+              <a:srgbClr val="FF0000"/>
+            </a:solidFill>
+          </a:ln>
+        </p:spPr>
+        <p:style>
+          <a:lnRef idx="2">
+            <a:schemeClr val="accent1">
+              <a:shade val="50000"/>
+            </a:schemeClr>
+          </a:lnRef>
+          <a:fillRef idx="1">
+            <a:schemeClr val="accent1"/>
+          </a:fillRef>
+          <a:effectRef idx="0">
+            <a:schemeClr val="accent1"/>
+          </a:effectRef>
+          <a:fontRef idx="minor">
+            <a:schemeClr val="lt1"/>
+          </a:fontRef>
+        </p:style>
+        <p:txBody>
+          <a:bodyPr rtlCol="0" anchor="ctr"/>
+          <a:lstStyle/>
+          <a:p>
+            <a:pPr algn="r"/>
+            <a:r>
+              <a:rPr lang="en-GB" dirty="0" smtClean="0">
+                <a:solidFill>
+                  <a:schemeClr val="tx1"/>
+                </a:solidFill>
+              </a:rPr>
+              <a:t>TX1</a:t>
+            </a:r>
+            <a:endParaRPr lang="en-GB" dirty="0">
+              <a:solidFill>
+                <a:schemeClr val="tx1"/>
+              </a:solidFill>
+            </a:endParaRPr>
+          </a:p>
+        </p:txBody>
+      </p:sp>
     </p:spTree>
     <p:extLst>
       <p:ext uri="{BB962C8B-B14F-4D97-AF65-F5344CB8AC3E}">
-        <p14:creationId xmlns:p14="http://schemas.microsoft.com/office/powerpoint/2010/main" val="1947181573"/>
+        <p14:creationId xmlns:p14="http://schemas.microsoft.com/office/powerpoint/2010/main" val="1541161735"/>
       </p:ext>
     </p:extLst>
   </p:cSld>
   <p:clrMapOvr>
     <a:masterClrMapping/>
   </p:clrMapOvr>
+  <mc:AlternateContent xmlns:mc="http://schemas.openxmlformats.org/markup-compatibility/2006" xmlns:p14="http://schemas.microsoft.com/office/powerpoint/2010/main">
+    <mc:Choice Requires="p14">
+      <p:transition spd="slow" p14:dur="2000" advClick="0"/>
+    </mc:Choice>
+    <mc:Fallback xmlns="">
+      <p:transition spd="slow" advClick="0"/>
+    </mc:Fallback>
+  </mc:AlternateContent>
   <p:timing>
     <p:tnLst>
       <p:par>
@@ -13229,7 +13957,7 @@
   <a:extraClrSchemeLst/>
   <a:extLst>
     <a:ext uri="{05A4C25C-085E-4340-85A3-A5531E510DB2}">
-      <thm15:themeFamily xmlns:thm15="http://schemas.microsoft.com/office/thememl/2012/main" xmlns="" name="GCstudioThemeLight" id="{4C740F94-33C0-4EEC-9234-F56C348A0987}" vid="{A43F8B96-90D8-489D-B80F-92F9D6F351CC}"/>
+      <thm15:themeFamily xmlns="" xmlns:thm15="http://schemas.microsoft.com/office/thememl/2012/main" name="GCstudioThemeLight" id="{4C740F94-33C0-4EEC-9234-F56C348A0987}" vid="{A43F8B96-90D8-489D-B80F-92F9D6F351CC}"/>
     </a:ext>
   </a:extLst>
 </a:theme>
